--- a/PYTHON_12_Lists Part 2.pptx
+++ b/PYTHON_12_Lists Part 2.pptx
@@ -17,9 +17,7 @@
     <p:sldId id="300" r:id="rId11"/>
     <p:sldId id="301" r:id="rId12"/>
     <p:sldId id="302" r:id="rId13"/>
-    <p:sldId id="303" r:id="rId14"/>
-    <p:sldId id="305" r:id="rId15"/>
-    <p:sldId id="291" r:id="rId16"/>
+    <p:sldId id="291" r:id="rId14"/>
   </p:sldIdLst>
   <p:sldSz cx="12192000" cy="6858000"/>
   <p:notesSz cx="6858000" cy="9144000"/>
@@ -273,7 +271,7 @@
           <a:p>
             <a:fld id="{D3853345-A581-455E-9661-1270F4F6E587}" type="datetimeFigureOut">
               <a:rPr lang="en-US" smtClean="0"/>
-              <a:t>6/22/2019</a:t>
+              <a:t>7/23/2019</a:t>
             </a:fld>
             <a:endParaRPr lang="en-US" dirty="0"/>
           </a:p>
@@ -476,7 +474,7 @@
           <a:p>
             <a:fld id="{D3853345-A581-455E-9661-1270F4F6E587}" type="datetimeFigureOut">
               <a:rPr lang="en-US" smtClean="0"/>
-              <a:t>6/22/2019</a:t>
+              <a:t>7/23/2019</a:t>
             </a:fld>
             <a:endParaRPr lang="en-US" dirty="0"/>
           </a:p>
@@ -684,7 +682,7 @@
           <a:p>
             <a:fld id="{D3853345-A581-455E-9661-1270F4F6E587}" type="datetimeFigureOut">
               <a:rPr lang="en-US" smtClean="0"/>
-              <a:t>6/22/2019</a:t>
+              <a:t>7/23/2019</a:t>
             </a:fld>
             <a:endParaRPr lang="en-US" dirty="0"/>
           </a:p>
@@ -882,7 +880,7 @@
           <a:p>
             <a:fld id="{D3853345-A581-455E-9661-1270F4F6E587}" type="datetimeFigureOut">
               <a:rPr lang="en-US" smtClean="0"/>
-              <a:t>6/22/2019</a:t>
+              <a:t>7/23/2019</a:t>
             </a:fld>
             <a:endParaRPr lang="en-US" dirty="0"/>
           </a:p>
@@ -1157,7 +1155,7 @@
           <a:p>
             <a:fld id="{D3853345-A581-455E-9661-1270F4F6E587}" type="datetimeFigureOut">
               <a:rPr lang="en-US" smtClean="0"/>
-              <a:t>6/22/2019</a:t>
+              <a:t>7/23/2019</a:t>
             </a:fld>
             <a:endParaRPr lang="en-US" dirty="0"/>
           </a:p>
@@ -1422,7 +1420,7 @@
           <a:p>
             <a:fld id="{D3853345-A581-455E-9661-1270F4F6E587}" type="datetimeFigureOut">
               <a:rPr lang="en-US" smtClean="0"/>
-              <a:t>6/22/2019</a:t>
+              <a:t>7/23/2019</a:t>
             </a:fld>
             <a:endParaRPr lang="en-US" dirty="0"/>
           </a:p>
@@ -1834,7 +1832,7 @@
           <a:p>
             <a:fld id="{D3853345-A581-455E-9661-1270F4F6E587}" type="datetimeFigureOut">
               <a:rPr lang="en-US" smtClean="0"/>
-              <a:t>6/22/2019</a:t>
+              <a:t>7/23/2019</a:t>
             </a:fld>
             <a:endParaRPr lang="en-US" dirty="0"/>
           </a:p>
@@ -1975,7 +1973,7 @@
           <a:p>
             <a:fld id="{D3853345-A581-455E-9661-1270F4F6E587}" type="datetimeFigureOut">
               <a:rPr lang="en-US" smtClean="0"/>
-              <a:t>6/22/2019</a:t>
+              <a:t>7/23/2019</a:t>
             </a:fld>
             <a:endParaRPr lang="en-US" dirty="0"/>
           </a:p>
@@ -2088,7 +2086,7 @@
           <a:p>
             <a:fld id="{D3853345-A581-455E-9661-1270F4F6E587}" type="datetimeFigureOut">
               <a:rPr lang="en-US" smtClean="0"/>
-              <a:t>6/22/2019</a:t>
+              <a:t>7/23/2019</a:t>
             </a:fld>
             <a:endParaRPr lang="en-US" dirty="0"/>
           </a:p>
@@ -2404,7 +2402,7 @@
           <a:p>
             <a:fld id="{D3853345-A581-455E-9661-1270F4F6E587}" type="datetimeFigureOut">
               <a:rPr lang="en-US" smtClean="0"/>
-              <a:t>6/22/2019</a:t>
+              <a:t>7/23/2019</a:t>
             </a:fld>
             <a:endParaRPr lang="en-US" dirty="0"/>
           </a:p>
@@ -2697,7 +2695,7 @@
           <a:p>
             <a:fld id="{D3853345-A581-455E-9661-1270F4F6E587}" type="datetimeFigureOut">
               <a:rPr lang="en-US" smtClean="0"/>
-              <a:t>6/22/2019</a:t>
+              <a:t>7/23/2019</a:t>
             </a:fld>
             <a:endParaRPr lang="en-US" dirty="0"/>
           </a:p>
@@ -2938,7 +2936,7 @@
           <a:p>
             <a:fld id="{D3853345-A581-455E-9661-1270F4F6E587}" type="datetimeFigureOut">
               <a:rPr lang="en-US" smtClean="0"/>
-              <a:t>6/22/2019</a:t>
+              <a:t>7/23/2019</a:t>
             </a:fld>
             <a:endParaRPr lang="en-US" dirty="0"/>
           </a:p>
@@ -3933,7 +3931,7 @@
             </a:pPr>
             <a:r>
               <a:rPr lang="en-US" dirty="0"/>
-              <a:t>   –Slicing, index, appending</a:t>
+              <a:t>   – index, appending</a:t>
             </a:r>
           </a:p>
           <a:p>
@@ -4003,588 +4001,6 @@
 </file>
 
 <file path=ppt/slides/slide13.xml><?xml version="1.0" encoding="utf-8"?>
-<p:sld xmlns:a="http://schemas.openxmlformats.org/drawingml/2006/main" xmlns:r="http://schemas.openxmlformats.org/officeDocument/2006/relationships" xmlns:p="http://schemas.openxmlformats.org/presentationml/2006/main">
-  <p:cSld>
-    <p:spTree>
-      <p:nvGrpSpPr>
-        <p:cNvPr id="1" name=""/>
-        <p:cNvGrpSpPr/>
-        <p:nvPr/>
-      </p:nvGrpSpPr>
-      <p:grpSpPr>
-        <a:xfrm>
-          <a:off x="0" y="0"/>
-          <a:ext cx="0" cy="0"/>
-          <a:chOff x="0" y="0"/>
-          <a:chExt cx="0" cy="0"/>
-        </a:xfrm>
-      </p:grpSpPr>
-      <p:sp>
-        <p:nvSpPr>
-          <p:cNvPr id="2" name="Title 1">
-            <a:extLst>
-              <a:ext uri="{FF2B5EF4-FFF2-40B4-BE49-F238E27FC236}">
-                <a16:creationId xmlns:a16="http://schemas.microsoft.com/office/drawing/2014/main" id="{7EDE09D6-FF33-48D3-8284-6B2794F0CFAC}"/>
-              </a:ext>
-            </a:extLst>
-          </p:cNvPr>
-          <p:cNvSpPr>
-            <a:spLocks noGrp="1"/>
-          </p:cNvSpPr>
-          <p:nvPr>
-            <p:ph type="title"/>
-          </p:nvPr>
-        </p:nvSpPr>
-        <p:spPr/>
-        <p:txBody>
-          <a:bodyPr/>
-          <a:lstStyle/>
-          <a:p>
-            <a:r>
-              <a:rPr lang="en-US" b="1" dirty="0"/>
-              <a:t>Vital List Algorithm: 2D Creating </a:t>
-            </a:r>
-          </a:p>
-        </p:txBody>
-      </p:sp>
-      <p:sp>
-        <p:nvSpPr>
-          <p:cNvPr id="3" name="Content Placeholder 2">
-            <a:extLst>
-              <a:ext uri="{FF2B5EF4-FFF2-40B4-BE49-F238E27FC236}">
-                <a16:creationId xmlns:a16="http://schemas.microsoft.com/office/drawing/2014/main" id="{6B62BA96-4E1F-4F19-ADF5-9790B2934D96}"/>
-              </a:ext>
-            </a:extLst>
-          </p:cNvPr>
-          <p:cNvSpPr>
-            <a:spLocks noGrp="1"/>
-          </p:cNvSpPr>
-          <p:nvPr>
-            <p:ph idx="1"/>
-          </p:nvPr>
-        </p:nvSpPr>
-        <p:spPr/>
-        <p:txBody>
-          <a:bodyPr>
-            <a:normAutofit lnSpcReduction="10000"/>
-          </a:bodyPr>
-          <a:lstStyle/>
-          <a:p>
-            <a:pPr marL="0" indent="0">
-              <a:buNone/>
-            </a:pPr>
-            <a:r>
-              <a:rPr lang="en-US" dirty="0"/>
-              <a:t>• Write the code to create a 2D list of symbols called </a:t>
-            </a:r>
-            <a:r>
-              <a:rPr lang="en-US" b="1" dirty="0" err="1"/>
-              <a:t>gameBoard</a:t>
-            </a:r>
-            <a:r>
-              <a:rPr lang="en-US" dirty="0"/>
-              <a:t>, given </a:t>
-            </a:r>
-            <a:r>
-              <a:rPr lang="en-US" b="1" dirty="0"/>
-              <a:t>width</a:t>
-            </a:r>
-            <a:r>
-              <a:rPr lang="en-US" dirty="0"/>
-              <a:t> and </a:t>
-            </a:r>
-            <a:r>
-              <a:rPr lang="en-US" b="1" dirty="0"/>
-              <a:t>height</a:t>
-            </a:r>
-          </a:p>
-          <a:p>
-            <a:pPr marL="0" indent="0">
-              <a:buNone/>
-            </a:pPr>
-            <a:endParaRPr lang="en-US" dirty="0"/>
-          </a:p>
-          <a:p>
-            <a:pPr marL="0" indent="0">
-              <a:buNone/>
-            </a:pPr>
-            <a:r>
-              <a:rPr lang="en-US" dirty="0" err="1"/>
-              <a:t>gameBoard</a:t>
-            </a:r>
-            <a:r>
-              <a:rPr lang="en-US" dirty="0"/>
-              <a:t> = [] </a:t>
-            </a:r>
-          </a:p>
-          <a:p>
-            <a:pPr marL="0" indent="0">
-              <a:buNone/>
-            </a:pPr>
-            <a:r>
-              <a:rPr lang="en-US" dirty="0">
-                <a:solidFill>
-                  <a:srgbClr val="0070C0"/>
-                </a:solidFill>
-              </a:rPr>
-              <a:t>while</a:t>
-            </a:r>
-            <a:r>
-              <a:rPr lang="en-US" dirty="0"/>
-              <a:t> </a:t>
-            </a:r>
-            <a:r>
-              <a:rPr lang="en-US" dirty="0" err="1">
-                <a:solidFill>
-                  <a:srgbClr val="FF0000"/>
-                </a:solidFill>
-              </a:rPr>
-              <a:t>len</a:t>
-            </a:r>
-            <a:r>
-              <a:rPr lang="en-US" dirty="0"/>
-              <a:t>(</a:t>
-            </a:r>
-            <a:r>
-              <a:rPr lang="en-US" dirty="0" err="1"/>
-              <a:t>gameBoard</a:t>
-            </a:r>
-            <a:r>
-              <a:rPr lang="en-US" dirty="0"/>
-              <a:t>) &lt; height: </a:t>
-            </a:r>
-          </a:p>
-          <a:p>
-            <a:pPr marL="0" indent="0">
-              <a:buNone/>
-            </a:pPr>
-            <a:r>
-              <a:rPr lang="en-US" dirty="0"/>
-              <a:t>	</a:t>
-            </a:r>
-            <a:r>
-              <a:rPr lang="en-US" dirty="0" err="1"/>
-              <a:t>boardRow</a:t>
-            </a:r>
-            <a:r>
-              <a:rPr lang="en-US" dirty="0"/>
-              <a:t> = [] </a:t>
-            </a:r>
-          </a:p>
-          <a:p>
-            <a:pPr marL="0" indent="0">
-              <a:buNone/>
-            </a:pPr>
-            <a:r>
-              <a:rPr lang="en-US" dirty="0"/>
-              <a:t>	</a:t>
-            </a:r>
-            <a:r>
-              <a:rPr lang="en-US" dirty="0">
-                <a:solidFill>
-                  <a:srgbClr val="0070C0"/>
-                </a:solidFill>
-              </a:rPr>
-              <a:t>while</a:t>
-            </a:r>
-            <a:r>
-              <a:rPr lang="en-US" dirty="0"/>
-              <a:t> </a:t>
-            </a:r>
-            <a:r>
-              <a:rPr lang="en-US" dirty="0" err="1">
-                <a:solidFill>
-                  <a:srgbClr val="FF0000"/>
-                </a:solidFill>
-              </a:rPr>
-              <a:t>len</a:t>
-            </a:r>
-            <a:r>
-              <a:rPr lang="en-US" dirty="0"/>
-              <a:t>(</a:t>
-            </a:r>
-            <a:r>
-              <a:rPr lang="en-US" dirty="0" err="1"/>
-              <a:t>boardRow</a:t>
-            </a:r>
-            <a:r>
-              <a:rPr lang="en-US" dirty="0"/>
-              <a:t>) &lt; width: </a:t>
-            </a:r>
-          </a:p>
-          <a:p>
-            <a:pPr marL="0" indent="0">
-              <a:buNone/>
-            </a:pPr>
-            <a:r>
-              <a:rPr lang="en-US" dirty="0"/>
-              <a:t>		</a:t>
-            </a:r>
-            <a:r>
-              <a:rPr lang="en-US" dirty="0" err="1"/>
-              <a:t>boardRow.append</a:t>
-            </a:r>
-            <a:r>
-              <a:rPr lang="en-US" dirty="0"/>
-              <a:t>(".") </a:t>
-            </a:r>
-          </a:p>
-          <a:p>
-            <a:pPr marL="0" indent="0">
-              <a:buNone/>
-            </a:pPr>
-            <a:r>
-              <a:rPr lang="en-US" dirty="0"/>
-              <a:t> 	</a:t>
-            </a:r>
-            <a:r>
-              <a:rPr lang="en-US" dirty="0" err="1"/>
-              <a:t>gameBoard.append</a:t>
-            </a:r>
-            <a:r>
-              <a:rPr lang="en-US" dirty="0"/>
-              <a:t>(</a:t>
-            </a:r>
-            <a:r>
-              <a:rPr lang="en-US" dirty="0" err="1"/>
-              <a:t>boardRow</a:t>
-            </a:r>
-            <a:r>
-              <a:rPr lang="en-US" dirty="0"/>
-              <a:t>)</a:t>
-            </a:r>
-          </a:p>
-          <a:p>
-            <a:pPr marL="0" indent="0">
-              <a:buNone/>
-            </a:pPr>
-            <a:endParaRPr lang="en-US" dirty="0"/>
-          </a:p>
-        </p:txBody>
-      </p:sp>
-    </p:spTree>
-    <p:extLst>
-      <p:ext uri="{BB962C8B-B14F-4D97-AF65-F5344CB8AC3E}">
-        <p14:creationId xmlns:p14="http://schemas.microsoft.com/office/powerpoint/2010/main" val="735832510"/>
-      </p:ext>
-    </p:extLst>
-  </p:cSld>
-  <p:clrMapOvr>
-    <a:masterClrMapping/>
-  </p:clrMapOvr>
-</p:sld>
-</file>
-
-<file path=ppt/slides/slide14.xml><?xml version="1.0" encoding="utf-8"?>
-<p:sld xmlns:a="http://schemas.openxmlformats.org/drawingml/2006/main" xmlns:r="http://schemas.openxmlformats.org/officeDocument/2006/relationships" xmlns:p="http://schemas.openxmlformats.org/presentationml/2006/main">
-  <p:cSld>
-    <p:spTree>
-      <p:nvGrpSpPr>
-        <p:cNvPr id="1" name=""/>
-        <p:cNvGrpSpPr/>
-        <p:nvPr/>
-      </p:nvGrpSpPr>
-      <p:grpSpPr>
-        <a:xfrm>
-          <a:off x="0" y="0"/>
-          <a:ext cx="0" cy="0"/>
-          <a:chOff x="0" y="0"/>
-          <a:chExt cx="0" cy="0"/>
-        </a:xfrm>
-      </p:grpSpPr>
-      <p:sp>
-        <p:nvSpPr>
-          <p:cNvPr id="2" name="Title 1">
-            <a:extLst>
-              <a:ext uri="{FF2B5EF4-FFF2-40B4-BE49-F238E27FC236}">
-                <a16:creationId xmlns:a16="http://schemas.microsoft.com/office/drawing/2014/main" id="{32F5A0E4-4626-4E54-9BBB-99189B2BBA26}"/>
-              </a:ext>
-            </a:extLst>
-          </p:cNvPr>
-          <p:cNvSpPr>
-            <a:spLocks noGrp="1"/>
-          </p:cNvSpPr>
-          <p:nvPr>
-            <p:ph type="title"/>
-          </p:nvPr>
-        </p:nvSpPr>
-        <p:spPr>
-          <a:xfrm>
-            <a:off x="838200" y="0"/>
-            <a:ext cx="10515600" cy="1325563"/>
-          </a:xfrm>
-        </p:spPr>
-        <p:txBody>
-          <a:bodyPr/>
-          <a:lstStyle/>
-          <a:p>
-            <a:r>
-              <a:rPr lang="en-US" b="1" dirty="0"/>
-              <a:t>Vital List Algorithm: 2D Iterating </a:t>
-            </a:r>
-          </a:p>
-        </p:txBody>
-      </p:sp>
-      <p:sp>
-        <p:nvSpPr>
-          <p:cNvPr id="3" name="Content Placeholder 2">
-            <a:extLst>
-              <a:ext uri="{FF2B5EF4-FFF2-40B4-BE49-F238E27FC236}">
-                <a16:creationId xmlns:a16="http://schemas.microsoft.com/office/drawing/2014/main" id="{E4614732-8175-48C6-B89C-3C5D2F0F04F0}"/>
-              </a:ext>
-            </a:extLst>
-          </p:cNvPr>
-          <p:cNvSpPr>
-            <a:spLocks noGrp="1"/>
-          </p:cNvSpPr>
-          <p:nvPr>
-            <p:ph idx="1"/>
-          </p:nvPr>
-        </p:nvSpPr>
-        <p:spPr>
-          <a:xfrm>
-            <a:off x="838200" y="1280160"/>
-            <a:ext cx="10515600" cy="4896803"/>
-          </a:xfrm>
-        </p:spPr>
-        <p:txBody>
-          <a:bodyPr>
-            <a:normAutofit fontScale="85000" lnSpcReduction="20000"/>
-          </a:bodyPr>
-          <a:lstStyle/>
-          <a:p>
-            <a:pPr marL="0" indent="0">
-              <a:buNone/>
-            </a:pPr>
-            <a:r>
-              <a:rPr lang="en-US" sz="3100" dirty="0"/>
-              <a:t>• </a:t>
-            </a:r>
-            <a:r>
-              <a:rPr lang="en-US" sz="3600" dirty="0"/>
-              <a:t>Write the code to iterate over and print out  the contents of a 2D list called </a:t>
-            </a:r>
-            <a:r>
-              <a:rPr lang="en-US" sz="3600" b="1" dirty="0" err="1"/>
-              <a:t>gameBoard</a:t>
-            </a:r>
-            <a:r>
-              <a:rPr lang="en-US" sz="3600" dirty="0"/>
-              <a:t> </a:t>
-            </a:r>
-          </a:p>
-          <a:p>
-            <a:pPr marL="0" indent="0">
-              <a:buNone/>
-            </a:pPr>
-            <a:endParaRPr lang="en-US" sz="3600" dirty="0"/>
-          </a:p>
-          <a:p>
-            <a:pPr marL="0" indent="0">
-              <a:buNone/>
-            </a:pPr>
-            <a:r>
-              <a:rPr lang="en-US" sz="3600" dirty="0"/>
-              <a:t>row = 0 </a:t>
-            </a:r>
-          </a:p>
-          <a:p>
-            <a:pPr marL="0" indent="0">
-              <a:buNone/>
-            </a:pPr>
-            <a:r>
-              <a:rPr lang="en-US" sz="3600" dirty="0">
-                <a:solidFill>
-                  <a:srgbClr val="0070C0"/>
-                </a:solidFill>
-              </a:rPr>
-              <a:t>while</a:t>
-            </a:r>
-            <a:r>
-              <a:rPr lang="en-US" sz="3600" dirty="0"/>
-              <a:t> row &lt; </a:t>
-            </a:r>
-            <a:r>
-              <a:rPr lang="en-US" sz="3600" dirty="0" err="1">
-                <a:solidFill>
-                  <a:srgbClr val="FF0000"/>
-                </a:solidFill>
-              </a:rPr>
-              <a:t>len</a:t>
-            </a:r>
-            <a:r>
-              <a:rPr lang="en-US" sz="3600" dirty="0"/>
-              <a:t>(</a:t>
-            </a:r>
-            <a:r>
-              <a:rPr lang="en-US" sz="3600" dirty="0" err="1"/>
-              <a:t>gameBoard</a:t>
-            </a:r>
-            <a:r>
-              <a:rPr lang="en-US" sz="3600" dirty="0"/>
-              <a:t>): </a:t>
-            </a:r>
-          </a:p>
-          <a:p>
-            <a:pPr marL="0" indent="0">
-              <a:buNone/>
-            </a:pPr>
-            <a:r>
-              <a:rPr lang="en-US" sz="3600" dirty="0"/>
-              <a:t>	col = 0 </a:t>
-            </a:r>
-          </a:p>
-          <a:p>
-            <a:pPr marL="0" indent="0">
-              <a:buNone/>
-            </a:pPr>
-            <a:r>
-              <a:rPr lang="en-US" sz="3600" dirty="0"/>
-              <a:t>	</a:t>
-            </a:r>
-            <a:r>
-              <a:rPr lang="en-US" sz="3600" dirty="0">
-                <a:solidFill>
-                  <a:srgbClr val="0070C0"/>
-                </a:solidFill>
-              </a:rPr>
-              <a:t>while</a:t>
-            </a:r>
-            <a:r>
-              <a:rPr lang="en-US" sz="3600" dirty="0"/>
-              <a:t> col &lt; </a:t>
-            </a:r>
-            <a:r>
-              <a:rPr lang="en-US" sz="3600" dirty="0" err="1">
-                <a:solidFill>
-                  <a:srgbClr val="FF0000"/>
-                </a:solidFill>
-              </a:rPr>
-              <a:t>len</a:t>
-            </a:r>
-            <a:r>
-              <a:rPr lang="en-US" sz="3600" dirty="0"/>
-              <a:t>( </a:t>
-            </a:r>
-            <a:r>
-              <a:rPr lang="en-US" sz="3600" dirty="0" err="1"/>
-              <a:t>gameBoard</a:t>
-            </a:r>
-            <a:r>
-              <a:rPr lang="en-US" sz="3600" dirty="0"/>
-              <a:t>[row] ): </a:t>
-            </a:r>
-          </a:p>
-          <a:p>
-            <a:pPr marL="0" indent="0">
-              <a:buNone/>
-            </a:pPr>
-            <a:r>
-              <a:rPr lang="en-US" sz="3600" dirty="0"/>
-              <a:t>		</a:t>
-            </a:r>
-            <a:r>
-              <a:rPr lang="en-US" sz="3600" dirty="0">
-                <a:solidFill>
-                  <a:srgbClr val="FF0000"/>
-                </a:solidFill>
-              </a:rPr>
-              <a:t>print</a:t>
-            </a:r>
-            <a:r>
-              <a:rPr lang="en-US" sz="3600" dirty="0"/>
-              <a:t>( </a:t>
-            </a:r>
-            <a:r>
-              <a:rPr lang="en-US" sz="3600" dirty="0" err="1"/>
-              <a:t>gameBoard</a:t>
-            </a:r>
-            <a:r>
-              <a:rPr lang="en-US" sz="3600" dirty="0"/>
-              <a:t>[row][col], end = " ") </a:t>
-            </a:r>
-          </a:p>
-          <a:p>
-            <a:pPr marL="0" indent="0">
-              <a:buNone/>
-            </a:pPr>
-            <a:r>
-              <a:rPr lang="en-US" sz="3600" dirty="0"/>
-              <a:t>		col += 1 </a:t>
-            </a:r>
-          </a:p>
-          <a:p>
-            <a:pPr marL="0" indent="0">
-              <a:buNone/>
-            </a:pPr>
-            <a:r>
-              <a:rPr lang="en-US" sz="3600" dirty="0"/>
-              <a:t>	</a:t>
-            </a:r>
-            <a:r>
-              <a:rPr lang="en-US" sz="3600" dirty="0">
-                <a:solidFill>
-                  <a:srgbClr val="FF0000"/>
-                </a:solidFill>
-              </a:rPr>
-              <a:t>print</a:t>
-            </a:r>
-            <a:r>
-              <a:rPr lang="en-US" sz="3600" dirty="0"/>
-              <a:t>()           </a:t>
-            </a:r>
-            <a:r>
-              <a:rPr lang="en-US" sz="3600" dirty="0">
-                <a:solidFill>
-                  <a:srgbClr val="7030A0"/>
-                </a:solidFill>
-              </a:rPr>
-              <a:t># print a newline at end of each row </a:t>
-            </a:r>
-          </a:p>
-          <a:p>
-            <a:pPr marL="0" indent="0">
-              <a:buNone/>
-            </a:pPr>
-            <a:r>
-              <a:rPr lang="en-US" sz="3600" dirty="0"/>
-              <a:t>	row += 1</a:t>
-            </a:r>
-          </a:p>
-          <a:p>
-            <a:pPr marL="0" indent="0">
-              <a:buNone/>
-            </a:pPr>
-            <a:endParaRPr lang="en-US" sz="3200" dirty="0"/>
-          </a:p>
-          <a:p>
-            <a:pPr marL="0" indent="0">
-              <a:buNone/>
-            </a:pPr>
-            <a:endParaRPr lang="en-US" sz="3200" dirty="0"/>
-          </a:p>
-          <a:p>
-            <a:pPr marL="0" indent="0">
-              <a:buNone/>
-            </a:pPr>
-            <a:endParaRPr lang="en-US" dirty="0"/>
-          </a:p>
-        </p:txBody>
-      </p:sp>
-    </p:spTree>
-    <p:extLst>
-      <p:ext uri="{BB962C8B-B14F-4D97-AF65-F5344CB8AC3E}">
-        <p14:creationId xmlns:p14="http://schemas.microsoft.com/office/powerpoint/2010/main" val="1841156191"/>
-      </p:ext>
-    </p:extLst>
-  </p:cSld>
-  <p:clrMapOvr>
-    <a:masterClrMapping/>
-  </p:clrMapOvr>
-</p:sld>
-</file>
-
-<file path=ppt/slides/slide15.xml><?xml version="1.0" encoding="utf-8"?>
 <p:sld xmlns:a="http://schemas.openxmlformats.org/drawingml/2006/main" xmlns:r="http://schemas.openxmlformats.org/officeDocument/2006/relationships" xmlns:p="http://schemas.openxmlformats.org/presentationml/2006/main">
   <p:cSld>
     <p:spTree>

--- a/PYTHON_12_Lists Part 2.pptx
+++ b/PYTHON_12_Lists Part 2.pptx
@@ -17,7 +17,8 @@
     <p:sldId id="300" r:id="rId11"/>
     <p:sldId id="301" r:id="rId12"/>
     <p:sldId id="302" r:id="rId13"/>
-    <p:sldId id="291" r:id="rId14"/>
+    <p:sldId id="303" r:id="rId14"/>
+    <p:sldId id="291" r:id="rId15"/>
   </p:sldIdLst>
   <p:sldSz cx="12192000" cy="6858000"/>
   <p:notesSz cx="6858000" cy="9144000"/>
@@ -4022,6 +4023,126 @@
           <p:cNvPr id="2" name="Title 1">
             <a:extLst>
               <a:ext uri="{FF2B5EF4-FFF2-40B4-BE49-F238E27FC236}">
+                <a16:creationId xmlns:a16="http://schemas.microsoft.com/office/drawing/2014/main" id="{C62A1AF2-26C6-4D81-8703-E2994A4E6D61}"/>
+              </a:ext>
+            </a:extLst>
+          </p:cNvPr>
+          <p:cNvSpPr>
+            <a:spLocks noGrp="1"/>
+          </p:cNvSpPr>
+          <p:nvPr>
+            <p:ph type="title"/>
+          </p:nvPr>
+        </p:nvSpPr>
+        <p:spPr/>
+        <p:txBody>
+          <a:bodyPr/>
+          <a:lstStyle/>
+          <a:p>
+            <a:r>
+              <a:rPr lang="en-US" dirty="0"/>
+              <a:t>Practice Questions</a:t>
+            </a:r>
+          </a:p>
+        </p:txBody>
+      </p:sp>
+      <p:sp>
+        <p:nvSpPr>
+          <p:cNvPr id="3" name="Content Placeholder 2">
+            <a:extLst>
+              <a:ext uri="{FF2B5EF4-FFF2-40B4-BE49-F238E27FC236}">
+                <a16:creationId xmlns:a16="http://schemas.microsoft.com/office/drawing/2014/main" id="{0920BD14-1CED-458D-8AAF-7EF8B56938A6}"/>
+              </a:ext>
+            </a:extLst>
+          </p:cNvPr>
+          <p:cNvSpPr>
+            <a:spLocks noGrp="1"/>
+          </p:cNvSpPr>
+          <p:nvPr>
+            <p:ph idx="1"/>
+          </p:nvPr>
+        </p:nvSpPr>
+        <p:spPr/>
+        <p:txBody>
+          <a:bodyPr/>
+          <a:lstStyle/>
+          <a:p>
+            <a:r>
+              <a:rPr lang="en-US" dirty="0"/>
+              <a:t>Write a Python function to find the Max of three numbers.</a:t>
+            </a:r>
+          </a:p>
+          <a:p>
+            <a:r>
+              <a:rPr lang="en-US" dirty="0"/>
+              <a:t>Write a Python function to make a calculator.</a:t>
+            </a:r>
+          </a:p>
+          <a:p>
+            <a:r>
+              <a:rPr lang="en-US" dirty="0"/>
+              <a:t>Write a function to print the sum of 100 numbers. </a:t>
+            </a:r>
+            <a:r>
+              <a:rPr lang="en-US"/>
+              <a:t>(</a:t>
+            </a:r>
+            <a:r>
+              <a:rPr lang="en-US">
+                <a:solidFill>
+                  <a:srgbClr val="00B050"/>
+                </a:solidFill>
+              </a:rPr>
+              <a:t>Use while loop</a:t>
+            </a:r>
+            <a:r>
+              <a:rPr lang="en-US"/>
+              <a:t>)</a:t>
+            </a:r>
+          </a:p>
+          <a:p>
+            <a:pPr marL="0" indent="0">
+              <a:buNone/>
+            </a:pPr>
+            <a:endParaRPr lang="en-US" dirty="0"/>
+          </a:p>
+        </p:txBody>
+      </p:sp>
+    </p:spTree>
+    <p:extLst>
+      <p:ext uri="{BB962C8B-B14F-4D97-AF65-F5344CB8AC3E}">
+        <p14:creationId xmlns:p14="http://schemas.microsoft.com/office/powerpoint/2010/main" val="3396028398"/>
+      </p:ext>
+    </p:extLst>
+  </p:cSld>
+  <p:clrMapOvr>
+    <a:masterClrMapping/>
+  </p:clrMapOvr>
+</p:sld>
+</file>
+
+<file path=ppt/slides/slide14.xml><?xml version="1.0" encoding="utf-8"?>
+<p:sld xmlns:a="http://schemas.openxmlformats.org/drawingml/2006/main" xmlns:r="http://schemas.openxmlformats.org/officeDocument/2006/relationships" xmlns:p="http://schemas.openxmlformats.org/presentationml/2006/main">
+  <p:cSld>
+    <p:spTree>
+      <p:nvGrpSpPr>
+        <p:cNvPr id="1" name=""/>
+        <p:cNvGrpSpPr/>
+        <p:nvPr/>
+      </p:nvGrpSpPr>
+      <p:grpSpPr>
+        <a:xfrm>
+          <a:off x="0" y="0"/>
+          <a:ext cx="0" cy="0"/>
+          <a:chOff x="0" y="0"/>
+          <a:chExt cx="0" cy="0"/>
+        </a:xfrm>
+      </p:grpSpPr>
+      <p:sp>
+        <p:nvSpPr>
+          <p:cNvPr id="2" name="Title 1">
+            <a:extLst>
+              <a:ext uri="{FF2B5EF4-FFF2-40B4-BE49-F238E27FC236}">
                 <a16:creationId xmlns:a16="http://schemas.microsoft.com/office/drawing/2014/main" id="{4EFC647E-BEC0-4E89-8B7A-37CA0A51DB61}"/>
               </a:ext>
             </a:extLst>
@@ -4794,7 +4915,12 @@
             <p:ph idx="1"/>
           </p:nvPr>
         </p:nvSpPr>
-        <p:spPr/>
+        <p:spPr>
+          <a:xfrm>
+            <a:off x="838200" y="1825625"/>
+            <a:ext cx="10515600" cy="4351338"/>
+          </a:xfrm>
+        </p:spPr>
         <p:txBody>
           <a:bodyPr/>
           <a:lstStyle/>
